--- a/Syllabus/Lecture02/Lec02_CaseStudy.pptx
+++ b/Syllabus/Lecture02/Lec02_CaseStudy.pptx
@@ -5,10 +5,10 @@
     <p:sldMasterId id="2147483664" r:id="rId1"/>
   </p:sldMasterIdLst>
   <p:notesMasterIdLst>
-    <p:notesMasterId r:id="rId31"/>
+    <p:notesMasterId r:id="rId29"/>
   </p:notesMasterIdLst>
   <p:handoutMasterIdLst>
-    <p:handoutMasterId r:id="rId32"/>
+    <p:handoutMasterId r:id="rId30"/>
   </p:handoutMasterIdLst>
   <p:sldIdLst>
     <p:sldId id="266" r:id="rId2"/>
@@ -37,9 +37,7 @@
     <p:sldId id="268" r:id="rId25"/>
     <p:sldId id="269" r:id="rId26"/>
     <p:sldId id="270" r:id="rId27"/>
-    <p:sldId id="313" r:id="rId28"/>
-    <p:sldId id="295" r:id="rId29"/>
-    <p:sldId id="290" r:id="rId30"/>
+    <p:sldId id="290" r:id="rId28"/>
   </p:sldIdLst>
   <p:sldSz cx="12192000" cy="6858000"/>
   <p:notesSz cx="6858000" cy="9144000"/>
@@ -169,8 +167,6 @@
             <p14:sldId id="268"/>
             <p14:sldId id="269"/>
             <p14:sldId id="270"/>
-            <p14:sldId id="313"/>
-            <p14:sldId id="295"/>
             <p14:sldId id="290"/>
           </p14:sldIdLst>
         </p14:section>
@@ -291,7 +287,7 @@
           <a:p>
             <a:fld id="{DF9C6931-D0F6-AB40-9D7F-95567148A5C2}" type="datetimeFigureOut">
               <a:rPr lang="en-US" smtClean="0"/>
-              <a:t>8/26/2021</a:t>
+              <a:t>11/14/21</a:t>
             </a:fld>
             <a:endParaRPr lang="en-US"/>
           </a:p>
@@ -468,7 +464,7 @@
           <a:p>
             <a:fld id="{736C18F2-6801-5147-A332-A6E1C7D69D18}" type="datetimeFigureOut">
               <a:rPr lang="en-US" smtClean="0"/>
-              <a:t>8/26/2021</a:t>
+              <a:t>11/14/21</a:t>
             </a:fld>
             <a:endParaRPr lang="en-US"/>
           </a:p>
@@ -2511,115 +2507,6 @@
         </p:txBody>
       </p:sp>
     </p:spTree>
-  </p:cSld>
-  <p:clrMapOvr>
-    <a:masterClrMapping/>
-  </p:clrMapOvr>
-</p:notes>
-</file>
-
-<file path=ppt/notesSlides/notesSlide25.xml><?xml version="1.0" encoding="utf-8"?>
-<p:notes xmlns:a="http://schemas.openxmlformats.org/drawingml/2006/main" xmlns:r="http://schemas.openxmlformats.org/officeDocument/2006/relationships" xmlns:p="http://schemas.openxmlformats.org/presentationml/2006/main" showMasterSp="0" showMasterPhAnim="0">
-  <p:cSld>
-    <p:spTree>
-      <p:nvGrpSpPr>
-        <p:cNvPr id="1" name="Shape 197"/>
-        <p:cNvGrpSpPr/>
-        <p:nvPr/>
-      </p:nvGrpSpPr>
-      <p:grpSpPr>
-        <a:xfrm>
-          <a:off x="0" y="0"/>
-          <a:ext cx="0" cy="0"/>
-          <a:chOff x="0" y="0"/>
-          <a:chExt cx="0" cy="0"/>
-        </a:xfrm>
-      </p:grpSpPr>
-      <p:sp>
-        <p:nvSpPr>
-          <p:cNvPr id="198" name="Google Shape;198;g8c85a92b15_0_127:notes"/>
-          <p:cNvSpPr>
-            <a:spLocks noGrp="1" noRot="1" noChangeAspect="1"/>
-          </p:cNvSpPr>
-          <p:nvPr>
-            <p:ph type="sldImg" idx="2"/>
-          </p:nvPr>
-        </p:nvSpPr>
-        <p:spPr>
-          <a:xfrm>
-            <a:off x="381000" y="685800"/>
-            <a:ext cx="6096000" cy="3429000"/>
-          </a:xfrm>
-          <a:custGeom>
-            <a:avLst/>
-            <a:gdLst/>
-            <a:ahLst/>
-            <a:cxnLst/>
-            <a:rect l="l" t="t" r="r" b="b"/>
-            <a:pathLst>
-              <a:path w="120000" h="120000" extrusionOk="0">
-                <a:moveTo>
-                  <a:pt x="0" y="0"/>
-                </a:moveTo>
-                <a:lnTo>
-                  <a:pt x="120000" y="0"/>
-                </a:lnTo>
-                <a:lnTo>
-                  <a:pt x="120000" y="120000"/>
-                </a:lnTo>
-                <a:lnTo>
-                  <a:pt x="0" y="120000"/>
-                </a:lnTo>
-                <a:close/>
-              </a:path>
-            </a:pathLst>
-          </a:custGeom>
-        </p:spPr>
-      </p:sp>
-      <p:sp>
-        <p:nvSpPr>
-          <p:cNvPr id="199" name="Google Shape;199;g8c85a92b15_0_127:notes"/>
-          <p:cNvSpPr txBox="1">
-            <a:spLocks noGrp="1"/>
-          </p:cNvSpPr>
-          <p:nvPr>
-            <p:ph type="body" idx="1"/>
-          </p:nvPr>
-        </p:nvSpPr>
-        <p:spPr>
-          <a:xfrm>
-            <a:off x="685800" y="4343400"/>
-            <a:ext cx="5486400" cy="4114800"/>
-          </a:xfrm>
-          <a:prstGeom prst="rect">
-            <a:avLst/>
-          </a:prstGeom>
-        </p:spPr>
-        <p:txBody>
-          <a:bodyPr spcFirstLastPara="1" wrap="square" lIns="91425" tIns="91425" rIns="91425" bIns="91425" anchor="t" anchorCtr="0">
-            <a:noAutofit/>
-          </a:bodyPr>
-          <a:lstStyle/>
-          <a:p>
-            <a:pPr marL="0" lvl="0" indent="0" algn="l" rtl="0">
-              <a:spcBef>
-                <a:spcPts val="0"/>
-              </a:spcBef>
-              <a:spcAft>
-                <a:spcPts val="0"/>
-              </a:spcAft>
-              <a:buNone/>
-            </a:pPr>
-            <a:endParaRPr/>
-          </a:p>
-        </p:txBody>
-      </p:sp>
-    </p:spTree>
-    <p:extLst>
-      <p:ext uri="{BB962C8B-B14F-4D97-AF65-F5344CB8AC3E}">
-        <p14:creationId xmlns:p14="http://schemas.microsoft.com/office/powerpoint/2010/main" val="3519775881"/>
-      </p:ext>
-    </p:extLst>
   </p:cSld>
   <p:clrMapOvr>
     <a:masterClrMapping/>
@@ -10955,7 +10842,7 @@
         </p:nvSpPr>
         <p:spPr>
           <a:xfrm>
-            <a:off x="1937200" y="2277867"/>
+            <a:off x="969012" y="1733550"/>
             <a:ext cx="7911200" cy="3654400"/>
           </a:xfrm>
           <a:prstGeom prst="rect">
@@ -11420,7 +11307,7 @@
         </p:nvSpPr>
         <p:spPr>
           <a:xfrm>
-            <a:off x="0" y="665163"/>
+            <a:off x="888328" y="768057"/>
             <a:ext cx="7461250" cy="1068387"/>
           </a:xfrm>
           <a:prstGeom prst="rect">
@@ -11433,11 +11320,20 @@
           </a:bodyPr>
           <a:lstStyle/>
           <a:p>
+            <a:pPr algn="l"/>
             <a:r>
-              <a:rPr lang="en" sz="4000" b="1" dirty="0"/>
+              <a:rPr lang="en" sz="4000" b="1" dirty="0">
+                <a:solidFill>
+                  <a:srgbClr val="E46102"/>
+                </a:solidFill>
+              </a:rPr>
               <a:t>Preprocessing</a:t>
             </a:r>
-            <a:endParaRPr sz="4000" b="1" dirty="0"/>
+            <a:endParaRPr sz="4000" b="1" dirty="0">
+              <a:solidFill>
+                <a:srgbClr val="E46102"/>
+              </a:solidFill>
+            </a:endParaRPr>
           </a:p>
         </p:txBody>
       </p:sp>
@@ -11449,7 +11345,7 @@
         </p:nvSpPr>
         <p:spPr>
           <a:xfrm>
-            <a:off x="1937199" y="2277867"/>
+            <a:off x="888328" y="1901349"/>
             <a:ext cx="9482861" cy="3654400"/>
           </a:xfrm>
           <a:prstGeom prst="rect">
@@ -17641,491 +17537,6 @@
   <p:cSld>
     <p:spTree>
       <p:nvGrpSpPr>
-        <p:cNvPr id="1" name="Shape 200"/>
-        <p:cNvGrpSpPr/>
-        <p:nvPr/>
-      </p:nvGrpSpPr>
-      <p:grpSpPr>
-        <a:xfrm>
-          <a:off x="0" y="0"/>
-          <a:ext cx="0" cy="0"/>
-          <a:chOff x="0" y="0"/>
-          <a:chExt cx="0" cy="0"/>
-        </a:xfrm>
-      </p:grpSpPr>
-      <p:sp>
-        <p:nvSpPr>
-          <p:cNvPr id="201" name="Google Shape;201;p27"/>
-          <p:cNvSpPr txBox="1">
-            <a:spLocks noGrp="1"/>
-          </p:cNvSpPr>
-          <p:nvPr>
-            <p:ph type="title" idx="4294967295"/>
-          </p:nvPr>
-        </p:nvSpPr>
-        <p:spPr>
-          <a:xfrm>
-            <a:off x="0" y="665163"/>
-            <a:ext cx="7461250" cy="1068387"/>
-          </a:xfrm>
-          <a:prstGeom prst="rect">
-            <a:avLst/>
-          </a:prstGeom>
-        </p:spPr>
-        <p:txBody>
-          <a:bodyPr spcFirstLastPara="1" wrap="square" lIns="121900" tIns="121900" rIns="121900" bIns="121900" anchor="ctr" anchorCtr="0">
-            <a:noAutofit/>
-          </a:bodyPr>
-          <a:lstStyle/>
-          <a:p>
-            <a:r>
-              <a:rPr lang="en-US" sz="4000" b="1" dirty="0"/>
-              <a:t>Assignment</a:t>
-            </a:r>
-            <a:endParaRPr sz="4000" b="1" dirty="0"/>
-          </a:p>
-        </p:txBody>
-      </p:sp>
-      <p:sp>
-        <p:nvSpPr>
-          <p:cNvPr id="202" name="Google Shape;202;p27"/>
-          <p:cNvSpPr txBox="1"/>
-          <p:nvPr/>
-        </p:nvSpPr>
-        <p:spPr>
-          <a:xfrm>
-            <a:off x="1827867" y="2096780"/>
-            <a:ext cx="8906391" cy="3458000"/>
-          </a:xfrm>
-          <a:prstGeom prst="rect">
-            <a:avLst/>
-          </a:prstGeom>
-          <a:noFill/>
-          <a:ln>
-            <a:noFill/>
-          </a:ln>
-        </p:spPr>
-        <p:txBody>
-          <a:bodyPr spcFirstLastPara="1" wrap="square" lIns="121900" tIns="121900" rIns="121900" bIns="121900" anchor="t" anchorCtr="0">
-            <a:noAutofit/>
-          </a:bodyPr>
-          <a:lstStyle/>
-          <a:p>
-            <a:pPr marL="609585" indent="-507987">
-              <a:buSzPts val="2400"/>
-              <a:buChar char="●"/>
-            </a:pPr>
-            <a:r>
-              <a:rPr lang="en-US" sz="3200" dirty="0"/>
-              <a:t>All assignments will be shared on Thursdays Due at 7:59am before next Tuesday class</a:t>
-            </a:r>
-          </a:p>
-          <a:p>
-            <a:pPr marL="609585" indent="-507987">
-              <a:buSzPts val="2400"/>
-              <a:buChar char="●"/>
-            </a:pPr>
-            <a:r>
-              <a:rPr lang="en-US" sz="3200" dirty="0"/>
-              <a:t>If you have any issues, report on course slack channel before Friday, 5:00pm</a:t>
-            </a:r>
-          </a:p>
-          <a:p>
-            <a:pPr marL="1219170" lvl="1" indent="-507987">
-              <a:buSzPts val="2400"/>
-              <a:buFontTx/>
-              <a:buChar char="●"/>
-            </a:pPr>
-            <a:r>
-              <a:rPr lang="en-US" b="1" dirty="0"/>
-              <a:t>#dsci-633-2211</a:t>
-            </a:r>
-            <a:endParaRPr lang="en-US" sz="3200" dirty="0"/>
-          </a:p>
-          <a:p>
-            <a:pPr marL="609585" indent="-507987">
-              <a:buSzPts val="2400"/>
-              <a:buChar char="●"/>
-            </a:pPr>
-            <a:r>
-              <a:rPr lang="en-US" sz="3200" dirty="0"/>
-              <a:t>Do NOT send me individual emails, Please!</a:t>
-            </a:r>
-          </a:p>
-          <a:p>
-            <a:pPr marL="609585" indent="-507987">
-              <a:buSzPts val="2400"/>
-              <a:buChar char="●"/>
-            </a:pPr>
-            <a:endParaRPr sz="3200" dirty="0"/>
-          </a:p>
-        </p:txBody>
-      </p:sp>
-    </p:spTree>
-    <p:extLst>
-      <p:ext uri="{BB962C8B-B14F-4D97-AF65-F5344CB8AC3E}">
-        <p14:creationId xmlns:p14="http://schemas.microsoft.com/office/powerpoint/2010/main" val="340228709"/>
-      </p:ext>
-    </p:extLst>
-  </p:cSld>
-  <p:clrMapOvr>
-    <a:masterClrMapping/>
-  </p:clrMapOvr>
-  <p:timing>
-    <p:tnLst>
-      <p:par>
-        <p:cTn id="1" dur="indefinite" restart="never" nodeType="tmRoot">
-          <p:childTnLst>
-            <p:seq concurrent="1" nextAc="seek">
-              <p:cTn id="2" dur="indefinite" nodeType="mainSeq">
-                <p:childTnLst>
-                  <p:par>
-                    <p:cTn id="3" fill="hold">
-                      <p:stCondLst>
-                        <p:cond delay="indefinite"/>
-                      </p:stCondLst>
-                      <p:childTnLst>
-                        <p:par>
-                          <p:cTn id="4" fill="hold">
-                            <p:stCondLst>
-                              <p:cond delay="0"/>
-                            </p:stCondLst>
-                            <p:childTnLst>
-                              <p:par>
-                                <p:cTn id="5" presetID="1" presetClass="entr" presetSubtype="0" fill="hold" grpId="0" nodeType="clickEffect">
-                                  <p:stCondLst>
-                                    <p:cond delay="0"/>
-                                  </p:stCondLst>
-                                  <p:childTnLst>
-                                    <p:set>
-                                      <p:cBhvr>
-                                        <p:cTn id="6" dur="1" fill="hold">
-                                          <p:stCondLst>
-                                            <p:cond delay="0"/>
-                                          </p:stCondLst>
-                                        </p:cTn>
-                                        <p:tgtEl>
-                                          <p:spTgt spid="202"/>
-                                        </p:tgtEl>
-                                        <p:attrNameLst>
-                                          <p:attrName>style.visibility</p:attrName>
-                                        </p:attrNameLst>
-                                      </p:cBhvr>
-                                      <p:to>
-                                        <p:strVal val="visible"/>
-                                      </p:to>
-                                    </p:set>
-                                  </p:childTnLst>
-                                </p:cTn>
-                              </p:par>
-                            </p:childTnLst>
-                          </p:cTn>
-                        </p:par>
-                      </p:childTnLst>
-                    </p:cTn>
-                  </p:par>
-                </p:childTnLst>
-              </p:cTn>
-              <p:prevCondLst>
-                <p:cond evt="onPrev" delay="0">
-                  <p:tgtEl>
-                    <p:sldTgt/>
-                  </p:tgtEl>
-                </p:cond>
-              </p:prevCondLst>
-              <p:nextCondLst>
-                <p:cond evt="onNext" delay="0">
-                  <p:tgtEl>
-                    <p:sldTgt/>
-                  </p:tgtEl>
-                </p:cond>
-              </p:nextCondLst>
-            </p:seq>
-          </p:childTnLst>
-        </p:cTn>
-      </p:par>
-    </p:tnLst>
-    <p:bldLst>
-      <p:bldP spid="202" grpId="0"/>
-    </p:bldLst>
-  </p:timing>
-</p:sld>
-</file>
-
-<file path=ppt/slides/slide28.xml><?xml version="1.0" encoding="utf-8"?>
-<p:sld xmlns:a="http://schemas.openxmlformats.org/drawingml/2006/main" xmlns:r="http://schemas.openxmlformats.org/officeDocument/2006/relationships" xmlns:p="http://schemas.openxmlformats.org/presentationml/2006/main">
-  <p:cSld>
-    <p:spTree>
-      <p:nvGrpSpPr>
-        <p:cNvPr id="1" name=""/>
-        <p:cNvGrpSpPr/>
-        <p:nvPr/>
-      </p:nvGrpSpPr>
-      <p:grpSpPr>
-        <a:xfrm>
-          <a:off x="0" y="0"/>
-          <a:ext cx="0" cy="0"/>
-          <a:chOff x="0" y="0"/>
-          <a:chExt cx="0" cy="0"/>
-        </a:xfrm>
-      </p:grpSpPr>
-      <p:sp>
-        <p:nvSpPr>
-          <p:cNvPr id="4" name="Google Shape;95;p14">
-            <a:extLst>
-              <a:ext uri="{FF2B5EF4-FFF2-40B4-BE49-F238E27FC236}">
-                <a16:creationId xmlns:a16="http://schemas.microsoft.com/office/drawing/2014/main" id="{F510D98E-5D08-45D0-94BE-70EBCB426A1D}"/>
-              </a:ext>
-            </a:extLst>
-          </p:cNvPr>
-          <p:cNvSpPr txBox="1">
-            <a:spLocks/>
-          </p:cNvSpPr>
-          <p:nvPr/>
-        </p:nvSpPr>
-        <p:spPr>
-          <a:xfrm>
-            <a:off x="717173" y="696913"/>
-            <a:ext cx="10972800" cy="1068387"/>
-          </a:xfrm>
-          <a:prstGeom prst="rect">
-            <a:avLst/>
-          </a:prstGeom>
-        </p:spPr>
-        <p:txBody>
-          <a:bodyPr spcFirstLastPara="1" wrap="square" lIns="121900" tIns="121900" rIns="121900" bIns="121900" anchor="ctr" anchorCtr="0">
-            <a:noAutofit/>
-          </a:bodyPr>
-          <a:lstStyle>
-            <a:lvl1pPr algn="ctr" defTabSz="609585" rtl="0" eaLnBrk="1" latinLnBrk="0" hangingPunct="1">
-              <a:spcBef>
-                <a:spcPct val="0"/>
-              </a:spcBef>
-              <a:buNone/>
-              <a:defRPr sz="5867" kern="1200">
-                <a:solidFill>
-                  <a:schemeClr val="tx1"/>
-                </a:solidFill>
-                <a:latin typeface="+mj-lt"/>
-                <a:ea typeface="+mj-ea"/>
-                <a:cs typeface="+mj-cs"/>
-              </a:defRPr>
-            </a:lvl1pPr>
-          </a:lstStyle>
-          <a:p>
-            <a:r>
-              <a:rPr lang="en-US" sz="4400" b="1" dirty="0"/>
-              <a:t>Next Lecture</a:t>
-            </a:r>
-          </a:p>
-        </p:txBody>
-      </p:sp>
-      <p:sp>
-        <p:nvSpPr>
-          <p:cNvPr id="5" name="Google Shape;96;p14">
-            <a:extLst>
-              <a:ext uri="{FF2B5EF4-FFF2-40B4-BE49-F238E27FC236}">
-                <a16:creationId xmlns:a16="http://schemas.microsoft.com/office/drawing/2014/main" id="{9AF559A4-0F1F-4BB7-9370-E97582222A3B}"/>
-              </a:ext>
-            </a:extLst>
-          </p:cNvPr>
-          <p:cNvSpPr txBox="1"/>
-          <p:nvPr/>
-        </p:nvSpPr>
-        <p:spPr>
-          <a:xfrm>
-            <a:off x="591671" y="1749025"/>
-            <a:ext cx="10668001" cy="4176000"/>
-          </a:xfrm>
-          <a:prstGeom prst="rect">
-            <a:avLst/>
-          </a:prstGeom>
-          <a:noFill/>
-          <a:ln>
-            <a:noFill/>
-          </a:ln>
-        </p:spPr>
-        <p:txBody>
-          <a:bodyPr spcFirstLastPara="1" wrap="square" lIns="121900" tIns="121900" rIns="121900" bIns="121900" anchor="t" anchorCtr="0">
-            <a:noAutofit/>
-          </a:bodyPr>
-          <a:lstStyle/>
-          <a:p>
-            <a:pPr marL="444498" indent="-342900">
-              <a:buSzPts val="2400"/>
-              <a:buFont typeface="Arial" panose="020B0604020202020204" pitchFamily="34" charset="0"/>
-              <a:buChar char="•"/>
-            </a:pPr>
-            <a:endParaRPr lang="en-US" dirty="0"/>
-          </a:p>
-        </p:txBody>
-      </p:sp>
-      <p:sp>
-        <p:nvSpPr>
-          <p:cNvPr id="6" name="Google Shape;95;p14">
-            <a:extLst>
-              <a:ext uri="{FF2B5EF4-FFF2-40B4-BE49-F238E27FC236}">
-                <a16:creationId xmlns:a16="http://schemas.microsoft.com/office/drawing/2014/main" id="{DDC6CA74-D2BD-4D00-B41D-53EB895D318E}"/>
-              </a:ext>
-            </a:extLst>
-          </p:cNvPr>
-          <p:cNvSpPr txBox="1">
-            <a:spLocks/>
-          </p:cNvSpPr>
-          <p:nvPr/>
-        </p:nvSpPr>
-        <p:spPr>
-          <a:xfrm>
-            <a:off x="717173" y="2699314"/>
-            <a:ext cx="10972800" cy="630772"/>
-          </a:xfrm>
-          <a:prstGeom prst="rect">
-            <a:avLst/>
-          </a:prstGeom>
-        </p:spPr>
-        <p:txBody>
-          <a:bodyPr spcFirstLastPara="1" wrap="square" lIns="121900" tIns="121900" rIns="121900" bIns="121900" anchor="ctr" anchorCtr="0">
-            <a:noAutofit/>
-          </a:bodyPr>
-          <a:lstStyle>
-            <a:lvl1pPr algn="ctr" defTabSz="609585" rtl="0" eaLnBrk="1" latinLnBrk="0" hangingPunct="1">
-              <a:spcBef>
-                <a:spcPct val="0"/>
-              </a:spcBef>
-              <a:buNone/>
-              <a:defRPr sz="5867" kern="1200">
-                <a:solidFill>
-                  <a:schemeClr val="tx1"/>
-                </a:solidFill>
-                <a:latin typeface="+mj-lt"/>
-                <a:ea typeface="+mj-ea"/>
-                <a:cs typeface="+mj-cs"/>
-              </a:defRPr>
-            </a:lvl1pPr>
-          </a:lstStyle>
-          <a:p>
-            <a:r>
-              <a:rPr lang="en-US" sz="4000" b="1"/>
-              <a:t>Naïve Bayes</a:t>
-            </a:r>
-            <a:endParaRPr lang="en-US" sz="4000" b="1" dirty="0"/>
-          </a:p>
-        </p:txBody>
-      </p:sp>
-    </p:spTree>
-    <p:extLst>
-      <p:ext uri="{BB962C8B-B14F-4D97-AF65-F5344CB8AC3E}">
-        <p14:creationId xmlns:p14="http://schemas.microsoft.com/office/powerpoint/2010/main" val="2033604236"/>
-      </p:ext>
-    </p:extLst>
-  </p:cSld>
-  <p:clrMapOvr>
-    <a:masterClrMapping/>
-  </p:clrMapOvr>
-  <p:timing>
-    <p:tnLst>
-      <p:par>
-        <p:cTn id="1" dur="indefinite" restart="never" nodeType="tmRoot">
-          <p:childTnLst>
-            <p:seq concurrent="1" nextAc="seek">
-              <p:cTn id="2" dur="indefinite" nodeType="mainSeq">
-                <p:childTnLst>
-                  <p:par>
-                    <p:cTn id="3" fill="hold">
-                      <p:stCondLst>
-                        <p:cond delay="indefinite"/>
-                      </p:stCondLst>
-                      <p:childTnLst>
-                        <p:par>
-                          <p:cTn id="4" fill="hold">
-                            <p:stCondLst>
-                              <p:cond delay="0"/>
-                            </p:stCondLst>
-                            <p:childTnLst>
-                              <p:par>
-                                <p:cTn id="5" presetID="10" presetClass="entr" presetSubtype="0" fill="hold" nodeType="clickEffect" nodePh="1">
-                                  <p:stCondLst>
-                                    <p:cond delay="0"/>
-                                  </p:stCondLst>
-                                  <p:endCondLst>
-                                    <p:cond evt="begin" delay="0">
-                                      <p:tn val="5"/>
-                                    </p:cond>
-                                  </p:endCondLst>
-                                  <p:childTnLst>
-                                    <p:set>
-                                      <p:cBhvr>
-                                        <p:cTn id="6" dur="1" fill="hold">
-                                          <p:stCondLst>
-                                            <p:cond delay="0"/>
-                                          </p:stCondLst>
-                                        </p:cTn>
-                                        <p:tgtEl>
-                                          <p:spTgt spid="5">
-                                            <p:txEl>
-                                              <p:pRg st="0" end="0"/>
-                                            </p:txEl>
-                                          </p:spTgt>
-                                        </p:tgtEl>
-                                        <p:attrNameLst>
-                                          <p:attrName>style.visibility</p:attrName>
-                                        </p:attrNameLst>
-                                      </p:cBhvr>
-                                      <p:to>
-                                        <p:strVal val="visible"/>
-                                      </p:to>
-                                    </p:set>
-                                    <p:animEffect transition="in" filter="fade">
-                                      <p:cBhvr>
-                                        <p:cTn id="7" dur="1000"/>
-                                        <p:tgtEl>
-                                          <p:spTgt spid="5">
-                                            <p:txEl>
-                                              <p:pRg st="0" end="0"/>
-                                            </p:txEl>
-                                          </p:spTgt>
-                                        </p:tgtEl>
-                                      </p:cBhvr>
-                                    </p:animEffect>
-                                  </p:childTnLst>
-                                </p:cTn>
-                              </p:par>
-                            </p:childTnLst>
-                          </p:cTn>
-                        </p:par>
-                      </p:childTnLst>
-                    </p:cTn>
-                  </p:par>
-                </p:childTnLst>
-              </p:cTn>
-              <p:prevCondLst>
-                <p:cond evt="onPrev" delay="0">
-                  <p:tgtEl>
-                    <p:sldTgt/>
-                  </p:tgtEl>
-                </p:cond>
-              </p:prevCondLst>
-              <p:nextCondLst>
-                <p:cond evt="onNext" delay="0">
-                  <p:tgtEl>
-                    <p:sldTgt/>
-                  </p:tgtEl>
-                </p:cond>
-              </p:nextCondLst>
-            </p:seq>
-          </p:childTnLst>
-        </p:cTn>
-      </p:par>
-    </p:tnLst>
-  </p:timing>
-</p:sld>
-</file>
-
-<file path=ppt/slides/slide29.xml><?xml version="1.0" encoding="utf-8"?>
-<p:sld xmlns:a="http://schemas.openxmlformats.org/drawingml/2006/main" xmlns:r="http://schemas.openxmlformats.org/officeDocument/2006/relationships" xmlns:p="http://schemas.openxmlformats.org/presentationml/2006/main">
-  <p:cSld>
-    <p:spTree>
-      <p:nvGrpSpPr>
         <p:cNvPr id="1" name=""/>
         <p:cNvGrpSpPr/>
         <p:nvPr/>
@@ -18164,7 +17575,7 @@
             </a:pPr>
             <a:r>
               <a:rPr lang="en-US" b="1" dirty="0"/>
-              <a:t>Open Floor</a:t>
+              <a:t>Class Coding Exercise</a:t>
             </a:r>
           </a:p>
         </p:txBody>

--- a/Syllabus/Lecture02/Lec02_CaseStudy.pptx
+++ b/Syllabus/Lecture02/Lec02_CaseStudy.pptx
@@ -5,10 +5,10 @@
     <p:sldMasterId id="2147483664" r:id="rId1"/>
   </p:sldMasterIdLst>
   <p:notesMasterIdLst>
-    <p:notesMasterId r:id="rId20"/>
+    <p:notesMasterId r:id="rId19"/>
   </p:notesMasterIdLst>
   <p:handoutMasterIdLst>
-    <p:handoutMasterId r:id="rId21"/>
+    <p:handoutMasterId r:id="rId20"/>
   </p:handoutMasterIdLst>
   <p:sldIdLst>
     <p:sldId id="266" r:id="rId2"/>
@@ -28,7 +28,6 @@
     <p:sldId id="268" r:id="rId16"/>
     <p:sldId id="269" r:id="rId17"/>
     <p:sldId id="270" r:id="rId18"/>
-    <p:sldId id="290" r:id="rId19"/>
   </p:sldIdLst>
   <p:sldSz cx="12192000" cy="6858000"/>
   <p:notesSz cx="6858000" cy="9144000"/>
@@ -149,7 +148,6 @@
             <p14:sldId id="268"/>
             <p14:sldId id="269"/>
             <p14:sldId id="270"/>
-            <p14:sldId id="290"/>
           </p14:sldIdLst>
         </p14:section>
       </p14:sectionLst>
@@ -4685,1057 +4683,6 @@
 </p:sldLayout>
 </file>
 
-<file path=ppt/slideLayouts/slideLayout9.xml><?xml version="1.0" encoding="utf-8"?>
-<p:sldLayout xmlns:a="http://schemas.openxmlformats.org/drawingml/2006/main" xmlns:r="http://schemas.openxmlformats.org/officeDocument/2006/relationships" xmlns:p="http://schemas.openxmlformats.org/presentationml/2006/main" matchingName="Title and Content 1" type="obj">
-  <p:cSld name="Title and Content 1">
-    <p:spTree>
-      <p:nvGrpSpPr>
-        <p:cNvPr id="1" name="Shape 69"/>
-        <p:cNvGrpSpPr/>
-        <p:nvPr/>
-      </p:nvGrpSpPr>
-      <p:grpSpPr>
-        <a:xfrm>
-          <a:off x="0" y="0"/>
-          <a:ext cx="0" cy="0"/>
-          <a:chOff x="0" y="0"/>
-          <a:chExt cx="0" cy="0"/>
-        </a:xfrm>
-      </p:grpSpPr>
-      <p:sp>
-        <p:nvSpPr>
-          <p:cNvPr id="70" name="Google Shape;70;p10"/>
-          <p:cNvSpPr txBox="1">
-            <a:spLocks noGrp="1"/>
-          </p:cNvSpPr>
-          <p:nvPr>
-            <p:ph type="title"/>
-          </p:nvPr>
-        </p:nvSpPr>
-        <p:spPr>
-          <a:xfrm>
-            <a:off x="609600" y="900113"/>
-            <a:ext cx="10972800" cy="1068400"/>
-          </a:xfrm>
-          <a:prstGeom prst="rect">
-            <a:avLst/>
-          </a:prstGeom>
-          <a:noFill/>
-          <a:ln>
-            <a:noFill/>
-          </a:ln>
-        </p:spPr>
-        <p:txBody>
-          <a:bodyPr spcFirstLastPara="1" wrap="square" lIns="91425" tIns="91425" rIns="91425" bIns="91425" anchor="ctr" anchorCtr="0">
-            <a:noAutofit/>
-          </a:bodyPr>
-          <a:lstStyle>
-            <a:lvl1pPr marL="0" marR="0" lvl="0" indent="0" algn="l" rtl="0">
-              <a:spcBef>
-                <a:spcPts val="0"/>
-              </a:spcBef>
-              <a:spcAft>
-                <a:spcPts val="0"/>
-              </a:spcAft>
-              <a:buSzPts val="1400"/>
-              <a:buNone/>
-              <a:defRPr sz="4267" b="1" i="0" u="none" strike="noStrike" cap="none">
-                <a:solidFill>
-                  <a:schemeClr val="dk1"/>
-                </a:solidFill>
-                <a:latin typeface="Arial"/>
-                <a:ea typeface="Arial"/>
-                <a:cs typeface="Arial"/>
-                <a:sym typeface="Arial"/>
-              </a:defRPr>
-            </a:lvl1pPr>
-            <a:lvl2pPr marL="0" marR="0" lvl="1" indent="0" algn="ctr" rtl="0">
-              <a:spcBef>
-                <a:spcPts val="0"/>
-              </a:spcBef>
-              <a:spcAft>
-                <a:spcPts val="0"/>
-              </a:spcAft>
-              <a:buSzPts val="1400"/>
-              <a:buNone/>
-              <a:defRPr sz="4267" b="1" i="0" u="none" strike="noStrike" cap="none">
-                <a:solidFill>
-                  <a:schemeClr val="dk1"/>
-                </a:solidFill>
-                <a:latin typeface="Arial"/>
-                <a:ea typeface="Arial"/>
-                <a:cs typeface="Arial"/>
-                <a:sym typeface="Arial"/>
-              </a:defRPr>
-            </a:lvl2pPr>
-            <a:lvl3pPr marL="0" marR="0" lvl="2" indent="0" algn="ctr" rtl="0">
-              <a:spcBef>
-                <a:spcPts val="0"/>
-              </a:spcBef>
-              <a:spcAft>
-                <a:spcPts val="0"/>
-              </a:spcAft>
-              <a:buSzPts val="1400"/>
-              <a:buNone/>
-              <a:defRPr sz="4267" b="1" i="0" u="none" strike="noStrike" cap="none">
-                <a:solidFill>
-                  <a:schemeClr val="dk1"/>
-                </a:solidFill>
-                <a:latin typeface="Arial"/>
-                <a:ea typeface="Arial"/>
-                <a:cs typeface="Arial"/>
-                <a:sym typeface="Arial"/>
-              </a:defRPr>
-            </a:lvl3pPr>
-            <a:lvl4pPr marL="0" marR="0" lvl="3" indent="0" algn="ctr" rtl="0">
-              <a:spcBef>
-                <a:spcPts val="0"/>
-              </a:spcBef>
-              <a:spcAft>
-                <a:spcPts val="0"/>
-              </a:spcAft>
-              <a:buSzPts val="1400"/>
-              <a:buNone/>
-              <a:defRPr sz="4267" b="1" i="0" u="none" strike="noStrike" cap="none">
-                <a:solidFill>
-                  <a:schemeClr val="dk1"/>
-                </a:solidFill>
-                <a:latin typeface="Arial"/>
-                <a:ea typeface="Arial"/>
-                <a:cs typeface="Arial"/>
-                <a:sym typeface="Arial"/>
-              </a:defRPr>
-            </a:lvl4pPr>
-            <a:lvl5pPr marL="0" marR="0" lvl="4" indent="0" algn="ctr" rtl="0">
-              <a:spcBef>
-                <a:spcPts val="0"/>
-              </a:spcBef>
-              <a:spcAft>
-                <a:spcPts val="0"/>
-              </a:spcAft>
-              <a:buSzPts val="1400"/>
-              <a:buNone/>
-              <a:defRPr sz="4267" b="1" i="0" u="none" strike="noStrike" cap="none">
-                <a:solidFill>
-                  <a:schemeClr val="dk1"/>
-                </a:solidFill>
-                <a:latin typeface="Arial"/>
-                <a:ea typeface="Arial"/>
-                <a:cs typeface="Arial"/>
-                <a:sym typeface="Arial"/>
-              </a:defRPr>
-            </a:lvl5pPr>
-            <a:lvl6pPr marL="609585" marR="0" lvl="5" indent="0" algn="ctr" rtl="0">
-              <a:spcBef>
-                <a:spcPts val="0"/>
-              </a:spcBef>
-              <a:spcAft>
-                <a:spcPts val="0"/>
-              </a:spcAft>
-              <a:buSzPts val="1400"/>
-              <a:buNone/>
-              <a:defRPr sz="4267" b="1" i="0" u="none" strike="noStrike" cap="none">
-                <a:solidFill>
-                  <a:schemeClr val="dk1"/>
-                </a:solidFill>
-                <a:latin typeface="Arial"/>
-                <a:ea typeface="Arial"/>
-                <a:cs typeface="Arial"/>
-                <a:sym typeface="Arial"/>
-              </a:defRPr>
-            </a:lvl6pPr>
-            <a:lvl7pPr marL="1219170" marR="0" lvl="6" indent="0" algn="ctr" rtl="0">
-              <a:spcBef>
-                <a:spcPts val="0"/>
-              </a:spcBef>
-              <a:spcAft>
-                <a:spcPts val="0"/>
-              </a:spcAft>
-              <a:buSzPts val="1400"/>
-              <a:buNone/>
-              <a:defRPr sz="4267" b="1" i="0" u="none" strike="noStrike" cap="none">
-                <a:solidFill>
-                  <a:schemeClr val="dk1"/>
-                </a:solidFill>
-                <a:latin typeface="Arial"/>
-                <a:ea typeface="Arial"/>
-                <a:cs typeface="Arial"/>
-                <a:sym typeface="Arial"/>
-              </a:defRPr>
-            </a:lvl7pPr>
-            <a:lvl8pPr marL="1828754" marR="0" lvl="7" indent="0" algn="ctr" rtl="0">
-              <a:spcBef>
-                <a:spcPts val="0"/>
-              </a:spcBef>
-              <a:spcAft>
-                <a:spcPts val="0"/>
-              </a:spcAft>
-              <a:buSzPts val="1400"/>
-              <a:buNone/>
-              <a:defRPr sz="4267" b="1" i="0" u="none" strike="noStrike" cap="none">
-                <a:solidFill>
-                  <a:schemeClr val="dk1"/>
-                </a:solidFill>
-                <a:latin typeface="Arial"/>
-                <a:ea typeface="Arial"/>
-                <a:cs typeface="Arial"/>
-                <a:sym typeface="Arial"/>
-              </a:defRPr>
-            </a:lvl8pPr>
-            <a:lvl9pPr marL="2438339" marR="0" lvl="8" indent="0" algn="ctr" rtl="0">
-              <a:spcBef>
-                <a:spcPts val="0"/>
-              </a:spcBef>
-              <a:spcAft>
-                <a:spcPts val="0"/>
-              </a:spcAft>
-              <a:buSzPts val="1400"/>
-              <a:buNone/>
-              <a:defRPr sz="4267" b="1" i="0" u="none" strike="noStrike" cap="none">
-                <a:solidFill>
-                  <a:schemeClr val="dk1"/>
-                </a:solidFill>
-                <a:latin typeface="Arial"/>
-                <a:ea typeface="Arial"/>
-                <a:cs typeface="Arial"/>
-                <a:sym typeface="Arial"/>
-              </a:defRPr>
-            </a:lvl9pPr>
-          </a:lstStyle>
-          <a:p>
-            <a:endParaRPr/>
-          </a:p>
-        </p:txBody>
-      </p:sp>
-      <p:sp>
-        <p:nvSpPr>
-          <p:cNvPr id="71" name="Google Shape;71;p10"/>
-          <p:cNvSpPr txBox="1">
-            <a:spLocks noGrp="1"/>
-          </p:cNvSpPr>
-          <p:nvPr>
-            <p:ph type="body" idx="1"/>
-          </p:nvPr>
-        </p:nvSpPr>
-        <p:spPr>
-          <a:xfrm>
-            <a:off x="697867" y="2030300"/>
-            <a:ext cx="10972800" cy="3103600"/>
-          </a:xfrm>
-          <a:prstGeom prst="rect">
-            <a:avLst/>
-          </a:prstGeom>
-          <a:noFill/>
-          <a:ln>
-            <a:noFill/>
-          </a:ln>
-        </p:spPr>
-        <p:txBody>
-          <a:bodyPr spcFirstLastPara="1" wrap="square" lIns="91425" tIns="91425" rIns="91425" bIns="91425" anchor="t" anchorCtr="0">
-            <a:noAutofit/>
-          </a:bodyPr>
-          <a:lstStyle>
-            <a:lvl1pPr marL="609585" marR="0" lvl="0" indent="-507987" algn="l" rtl="0">
-              <a:spcBef>
-                <a:spcPts val="640"/>
-              </a:spcBef>
-              <a:spcAft>
-                <a:spcPts val="0"/>
-              </a:spcAft>
-              <a:buClr>
-                <a:schemeClr val="dk1"/>
-              </a:buClr>
-              <a:buSzPts val="2400"/>
-              <a:buFont typeface="Arial"/>
-              <a:buChar char="•"/>
-              <a:defRPr sz="3200" b="0" i="0" u="none" strike="noStrike" cap="none">
-                <a:solidFill>
-                  <a:schemeClr val="dk1"/>
-                </a:solidFill>
-                <a:latin typeface="Arial"/>
-                <a:ea typeface="Arial"/>
-                <a:cs typeface="Arial"/>
-                <a:sym typeface="Arial"/>
-              </a:defRPr>
-            </a:lvl1pPr>
-            <a:lvl2pPr marL="1219170" marR="0" lvl="1" indent="-507987" algn="l" rtl="0">
-              <a:spcBef>
-                <a:spcPts val="640"/>
-              </a:spcBef>
-              <a:spcAft>
-                <a:spcPts val="0"/>
-              </a:spcAft>
-              <a:buClr>
-                <a:schemeClr val="dk1"/>
-              </a:buClr>
-              <a:buSzPts val="2400"/>
-              <a:buFont typeface="Arial"/>
-              <a:buChar char="–"/>
-              <a:defRPr sz="3200" b="0" i="0" u="none" strike="noStrike" cap="none">
-                <a:solidFill>
-                  <a:schemeClr val="dk1"/>
-                </a:solidFill>
-                <a:latin typeface="Arial"/>
-                <a:ea typeface="Arial"/>
-                <a:cs typeface="Arial"/>
-                <a:sym typeface="Arial"/>
-              </a:defRPr>
-            </a:lvl2pPr>
-            <a:lvl3pPr marL="1828754" marR="0" lvl="2" indent="-457189" algn="l" rtl="0">
-              <a:spcBef>
-                <a:spcPts val="480"/>
-              </a:spcBef>
-              <a:spcAft>
-                <a:spcPts val="0"/>
-              </a:spcAft>
-              <a:buClr>
-                <a:schemeClr val="dk1"/>
-              </a:buClr>
-              <a:buSzPts val="1800"/>
-              <a:buFont typeface="Arial"/>
-              <a:buChar char="•"/>
-              <a:defRPr sz="2400" b="0" i="0" u="none" strike="noStrike" cap="none">
-                <a:solidFill>
-                  <a:schemeClr val="dk1"/>
-                </a:solidFill>
-                <a:latin typeface="Arial"/>
-                <a:ea typeface="Arial"/>
-                <a:cs typeface="Arial"/>
-                <a:sym typeface="Arial"/>
-              </a:defRPr>
-            </a:lvl3pPr>
-            <a:lvl4pPr marL="2438339" marR="0" lvl="3" indent="-423323" algn="l" rtl="0">
-              <a:spcBef>
-                <a:spcPts val="373"/>
-              </a:spcBef>
-              <a:spcAft>
-                <a:spcPts val="0"/>
-              </a:spcAft>
-              <a:buClr>
-                <a:schemeClr val="dk1"/>
-              </a:buClr>
-              <a:buSzPts val="1400"/>
-              <a:buFont typeface="Arial"/>
-              <a:buChar char="–"/>
-              <a:defRPr sz="1867" b="0" i="0" u="none" strike="noStrike" cap="none">
-                <a:solidFill>
-                  <a:schemeClr val="dk1"/>
-                </a:solidFill>
-                <a:latin typeface="Arial"/>
-                <a:ea typeface="Arial"/>
-                <a:cs typeface="Arial"/>
-                <a:sym typeface="Arial"/>
-              </a:defRPr>
-            </a:lvl4pPr>
-            <a:lvl5pPr marL="3047924" marR="0" lvl="4" indent="-389457" algn="l" rtl="0">
-              <a:spcBef>
-                <a:spcPts val="267"/>
-              </a:spcBef>
-              <a:spcAft>
-                <a:spcPts val="0"/>
-              </a:spcAft>
-              <a:buClr>
-                <a:schemeClr val="dk1"/>
-              </a:buClr>
-              <a:buSzPts val="1000"/>
-              <a:buFont typeface="Arial"/>
-              <a:buChar char="»"/>
-              <a:defRPr sz="1333" b="0" i="0" u="none" strike="noStrike" cap="none">
-                <a:solidFill>
-                  <a:schemeClr val="dk1"/>
-                </a:solidFill>
-                <a:latin typeface="Arial"/>
-                <a:ea typeface="Arial"/>
-                <a:cs typeface="Arial"/>
-                <a:sym typeface="Arial"/>
-              </a:defRPr>
-            </a:lvl5pPr>
-            <a:lvl6pPr marL="3657509" marR="0" lvl="5" indent="-474121" algn="l" rtl="0">
-              <a:spcBef>
-                <a:spcPts val="533"/>
-              </a:spcBef>
-              <a:spcAft>
-                <a:spcPts val="0"/>
-              </a:spcAft>
-              <a:buClr>
-                <a:schemeClr val="dk1"/>
-              </a:buClr>
-              <a:buSzPts val="2000"/>
-              <a:buFont typeface="Arial"/>
-              <a:buChar char="•"/>
-              <a:defRPr sz="2667" b="0" i="0" u="none" strike="noStrike" cap="none">
-                <a:solidFill>
-                  <a:schemeClr val="dk1"/>
-                </a:solidFill>
-                <a:latin typeface="Calibri"/>
-                <a:ea typeface="Calibri"/>
-                <a:cs typeface="Calibri"/>
-                <a:sym typeface="Calibri"/>
-              </a:defRPr>
-            </a:lvl6pPr>
-            <a:lvl7pPr marL="4267093" marR="0" lvl="6" indent="-474121" algn="l" rtl="0">
-              <a:spcBef>
-                <a:spcPts val="533"/>
-              </a:spcBef>
-              <a:spcAft>
-                <a:spcPts val="0"/>
-              </a:spcAft>
-              <a:buClr>
-                <a:schemeClr val="dk1"/>
-              </a:buClr>
-              <a:buSzPts val="2000"/>
-              <a:buFont typeface="Arial"/>
-              <a:buChar char="•"/>
-              <a:defRPr sz="2667" b="0" i="0" u="none" strike="noStrike" cap="none">
-                <a:solidFill>
-                  <a:schemeClr val="dk1"/>
-                </a:solidFill>
-                <a:latin typeface="Calibri"/>
-                <a:ea typeface="Calibri"/>
-                <a:cs typeface="Calibri"/>
-                <a:sym typeface="Calibri"/>
-              </a:defRPr>
-            </a:lvl7pPr>
-            <a:lvl8pPr marL="4876678" marR="0" lvl="7" indent="-474121" algn="l" rtl="0">
-              <a:spcBef>
-                <a:spcPts val="533"/>
-              </a:spcBef>
-              <a:spcAft>
-                <a:spcPts val="0"/>
-              </a:spcAft>
-              <a:buClr>
-                <a:schemeClr val="dk1"/>
-              </a:buClr>
-              <a:buSzPts val="2000"/>
-              <a:buFont typeface="Arial"/>
-              <a:buChar char="•"/>
-              <a:defRPr sz="2667" b="0" i="0" u="none" strike="noStrike" cap="none">
-                <a:solidFill>
-                  <a:schemeClr val="dk1"/>
-                </a:solidFill>
-                <a:latin typeface="Calibri"/>
-                <a:ea typeface="Calibri"/>
-                <a:cs typeface="Calibri"/>
-                <a:sym typeface="Calibri"/>
-              </a:defRPr>
-            </a:lvl8pPr>
-            <a:lvl9pPr marL="5486263" marR="0" lvl="8" indent="-474121" algn="l" rtl="0">
-              <a:spcBef>
-                <a:spcPts val="533"/>
-              </a:spcBef>
-              <a:spcAft>
-                <a:spcPts val="0"/>
-              </a:spcAft>
-              <a:buClr>
-                <a:schemeClr val="dk1"/>
-              </a:buClr>
-              <a:buSzPts val="2000"/>
-              <a:buFont typeface="Arial"/>
-              <a:buChar char="•"/>
-              <a:defRPr sz="2667" b="0" i="0" u="none" strike="noStrike" cap="none">
-                <a:solidFill>
-                  <a:schemeClr val="dk1"/>
-                </a:solidFill>
-                <a:latin typeface="Calibri"/>
-                <a:ea typeface="Calibri"/>
-                <a:cs typeface="Calibri"/>
-                <a:sym typeface="Calibri"/>
-              </a:defRPr>
-            </a:lvl9pPr>
-          </a:lstStyle>
-          <a:p>
-            <a:endParaRPr/>
-          </a:p>
-        </p:txBody>
-      </p:sp>
-      <p:sp>
-        <p:nvSpPr>
-          <p:cNvPr id="72" name="Google Shape;72;p10"/>
-          <p:cNvSpPr txBox="1">
-            <a:spLocks noGrp="1"/>
-          </p:cNvSpPr>
-          <p:nvPr>
-            <p:ph type="dt" idx="10"/>
-          </p:nvPr>
-        </p:nvSpPr>
-        <p:spPr>
-          <a:xfrm>
-            <a:off x="609600" y="6356351"/>
-            <a:ext cx="2844800" cy="365200"/>
-          </a:xfrm>
-          <a:prstGeom prst="rect">
-            <a:avLst/>
-          </a:prstGeom>
-          <a:noFill/>
-          <a:ln>
-            <a:noFill/>
-          </a:ln>
-        </p:spPr>
-        <p:txBody>
-          <a:bodyPr spcFirstLastPara="1" wrap="square" lIns="91425" tIns="91425" rIns="91425" bIns="91425" anchor="ctr" anchorCtr="0">
-            <a:noAutofit/>
-          </a:bodyPr>
-          <a:lstStyle>
-            <a:lvl1pPr marL="0" marR="0" lvl="0" indent="0" algn="l" rtl="0">
-              <a:spcBef>
-                <a:spcPts val="0"/>
-              </a:spcBef>
-              <a:spcAft>
-                <a:spcPts val="0"/>
-              </a:spcAft>
-              <a:buSzPts val="1400"/>
-              <a:buNone/>
-              <a:defRPr sz="1600">
-                <a:solidFill>
-                  <a:srgbClr val="888888"/>
-                </a:solidFill>
-                <a:latin typeface="Arial"/>
-                <a:ea typeface="Arial"/>
-                <a:cs typeface="Arial"/>
-                <a:sym typeface="Arial"/>
-              </a:defRPr>
-            </a:lvl1pPr>
-            <a:lvl2pPr marL="609585" marR="0" lvl="1" indent="0" algn="l" rtl="0">
-              <a:spcBef>
-                <a:spcPts val="0"/>
-              </a:spcBef>
-              <a:spcAft>
-                <a:spcPts val="0"/>
-              </a:spcAft>
-              <a:buSzPts val="1400"/>
-              <a:buNone/>
-              <a:defRPr sz="2400" b="0" i="0" u="none" strike="noStrike" cap="none">
-                <a:solidFill>
-                  <a:schemeClr val="dk1"/>
-                </a:solidFill>
-                <a:latin typeface="Calibri"/>
-                <a:ea typeface="Calibri"/>
-                <a:cs typeface="Calibri"/>
-                <a:sym typeface="Calibri"/>
-              </a:defRPr>
-            </a:lvl2pPr>
-            <a:lvl3pPr marL="1219170" marR="0" lvl="2" indent="0" algn="l" rtl="0">
-              <a:spcBef>
-                <a:spcPts val="0"/>
-              </a:spcBef>
-              <a:spcAft>
-                <a:spcPts val="0"/>
-              </a:spcAft>
-              <a:buSzPts val="1400"/>
-              <a:buNone/>
-              <a:defRPr sz="2400" b="0" i="0" u="none" strike="noStrike" cap="none">
-                <a:solidFill>
-                  <a:schemeClr val="dk1"/>
-                </a:solidFill>
-                <a:latin typeface="Calibri"/>
-                <a:ea typeface="Calibri"/>
-                <a:cs typeface="Calibri"/>
-                <a:sym typeface="Calibri"/>
-              </a:defRPr>
-            </a:lvl3pPr>
-            <a:lvl4pPr marL="1828754" marR="0" lvl="3" indent="0" algn="l" rtl="0">
-              <a:spcBef>
-                <a:spcPts val="0"/>
-              </a:spcBef>
-              <a:spcAft>
-                <a:spcPts val="0"/>
-              </a:spcAft>
-              <a:buSzPts val="1400"/>
-              <a:buNone/>
-              <a:defRPr sz="2400" b="0" i="0" u="none" strike="noStrike" cap="none">
-                <a:solidFill>
-                  <a:schemeClr val="dk1"/>
-                </a:solidFill>
-                <a:latin typeface="Calibri"/>
-                <a:ea typeface="Calibri"/>
-                <a:cs typeface="Calibri"/>
-                <a:sym typeface="Calibri"/>
-              </a:defRPr>
-            </a:lvl4pPr>
-            <a:lvl5pPr marL="2438339" marR="0" lvl="4" indent="0" algn="l" rtl="0">
-              <a:spcBef>
-                <a:spcPts val="0"/>
-              </a:spcBef>
-              <a:spcAft>
-                <a:spcPts val="0"/>
-              </a:spcAft>
-              <a:buSzPts val="1400"/>
-              <a:buNone/>
-              <a:defRPr sz="2400" b="0" i="0" u="none" strike="noStrike" cap="none">
-                <a:solidFill>
-                  <a:schemeClr val="dk1"/>
-                </a:solidFill>
-                <a:latin typeface="Calibri"/>
-                <a:ea typeface="Calibri"/>
-                <a:cs typeface="Calibri"/>
-                <a:sym typeface="Calibri"/>
-              </a:defRPr>
-            </a:lvl5pPr>
-            <a:lvl6pPr marL="3047924" marR="0" lvl="5" indent="0" algn="l" rtl="0">
-              <a:spcBef>
-                <a:spcPts val="0"/>
-              </a:spcBef>
-              <a:spcAft>
-                <a:spcPts val="0"/>
-              </a:spcAft>
-              <a:buSzPts val="1400"/>
-              <a:buNone/>
-              <a:defRPr sz="2400" b="0" i="0" u="none" strike="noStrike" cap="none">
-                <a:solidFill>
-                  <a:schemeClr val="dk1"/>
-                </a:solidFill>
-                <a:latin typeface="Calibri"/>
-                <a:ea typeface="Calibri"/>
-                <a:cs typeface="Calibri"/>
-                <a:sym typeface="Calibri"/>
-              </a:defRPr>
-            </a:lvl6pPr>
-            <a:lvl7pPr marL="3657509" marR="0" lvl="6" indent="0" algn="l" rtl="0">
-              <a:spcBef>
-                <a:spcPts val="0"/>
-              </a:spcBef>
-              <a:spcAft>
-                <a:spcPts val="0"/>
-              </a:spcAft>
-              <a:buSzPts val="1400"/>
-              <a:buNone/>
-              <a:defRPr sz="2400" b="0" i="0" u="none" strike="noStrike" cap="none">
-                <a:solidFill>
-                  <a:schemeClr val="dk1"/>
-                </a:solidFill>
-                <a:latin typeface="Calibri"/>
-                <a:ea typeface="Calibri"/>
-                <a:cs typeface="Calibri"/>
-                <a:sym typeface="Calibri"/>
-              </a:defRPr>
-            </a:lvl7pPr>
-            <a:lvl8pPr marL="4267093" marR="0" lvl="7" indent="0" algn="l" rtl="0">
-              <a:spcBef>
-                <a:spcPts val="0"/>
-              </a:spcBef>
-              <a:spcAft>
-                <a:spcPts val="0"/>
-              </a:spcAft>
-              <a:buSzPts val="1400"/>
-              <a:buNone/>
-              <a:defRPr sz="2400" b="0" i="0" u="none" strike="noStrike" cap="none">
-                <a:solidFill>
-                  <a:schemeClr val="dk1"/>
-                </a:solidFill>
-                <a:latin typeface="Calibri"/>
-                <a:ea typeface="Calibri"/>
-                <a:cs typeface="Calibri"/>
-                <a:sym typeface="Calibri"/>
-              </a:defRPr>
-            </a:lvl8pPr>
-            <a:lvl9pPr marL="4876678" marR="0" lvl="8" indent="0" algn="l" rtl="0">
-              <a:spcBef>
-                <a:spcPts val="0"/>
-              </a:spcBef>
-              <a:spcAft>
-                <a:spcPts val="0"/>
-              </a:spcAft>
-              <a:buSzPts val="1400"/>
-              <a:buNone/>
-              <a:defRPr sz="2400" b="0" i="0" u="none" strike="noStrike" cap="none">
-                <a:solidFill>
-                  <a:schemeClr val="dk1"/>
-                </a:solidFill>
-                <a:latin typeface="Calibri"/>
-                <a:ea typeface="Calibri"/>
-                <a:cs typeface="Calibri"/>
-                <a:sym typeface="Calibri"/>
-              </a:defRPr>
-            </a:lvl9pPr>
-          </a:lstStyle>
-          <a:p>
-            <a:endParaRPr/>
-          </a:p>
-        </p:txBody>
-      </p:sp>
-      <p:sp>
-        <p:nvSpPr>
-          <p:cNvPr id="73" name="Google Shape;73;p10"/>
-          <p:cNvSpPr txBox="1">
-            <a:spLocks noGrp="1"/>
-          </p:cNvSpPr>
-          <p:nvPr>
-            <p:ph type="ftr" idx="11"/>
-          </p:nvPr>
-        </p:nvSpPr>
-        <p:spPr>
-          <a:xfrm>
-            <a:off x="4165600" y="6356351"/>
-            <a:ext cx="3860800" cy="365200"/>
-          </a:xfrm>
-          <a:prstGeom prst="rect">
-            <a:avLst/>
-          </a:prstGeom>
-          <a:noFill/>
-          <a:ln>
-            <a:noFill/>
-          </a:ln>
-        </p:spPr>
-        <p:txBody>
-          <a:bodyPr spcFirstLastPara="1" wrap="square" lIns="91425" tIns="91425" rIns="91425" bIns="91425" anchor="ctr" anchorCtr="0">
-            <a:noAutofit/>
-          </a:bodyPr>
-          <a:lstStyle>
-            <a:lvl1pPr marL="0" marR="0" lvl="0" indent="0" algn="ctr" rtl="0">
-              <a:spcBef>
-                <a:spcPts val="0"/>
-              </a:spcBef>
-              <a:spcAft>
-                <a:spcPts val="0"/>
-              </a:spcAft>
-              <a:buSzPts val="1400"/>
-              <a:buNone/>
-              <a:defRPr sz="1600">
-                <a:solidFill>
-                  <a:srgbClr val="888888"/>
-                </a:solidFill>
-                <a:latin typeface="Arial"/>
-                <a:ea typeface="Arial"/>
-                <a:cs typeface="Arial"/>
-                <a:sym typeface="Arial"/>
-              </a:defRPr>
-            </a:lvl1pPr>
-            <a:lvl2pPr marL="609585" marR="0" lvl="1" indent="0" algn="l" rtl="0">
-              <a:spcBef>
-                <a:spcPts val="0"/>
-              </a:spcBef>
-              <a:spcAft>
-                <a:spcPts val="0"/>
-              </a:spcAft>
-              <a:buSzPts val="1400"/>
-              <a:buNone/>
-              <a:defRPr sz="2400" b="0" i="0" u="none" strike="noStrike" cap="none">
-                <a:solidFill>
-                  <a:schemeClr val="dk1"/>
-                </a:solidFill>
-                <a:latin typeface="Calibri"/>
-                <a:ea typeface="Calibri"/>
-                <a:cs typeface="Calibri"/>
-                <a:sym typeface="Calibri"/>
-              </a:defRPr>
-            </a:lvl2pPr>
-            <a:lvl3pPr marL="1219170" marR="0" lvl="2" indent="0" algn="l" rtl="0">
-              <a:spcBef>
-                <a:spcPts val="0"/>
-              </a:spcBef>
-              <a:spcAft>
-                <a:spcPts val="0"/>
-              </a:spcAft>
-              <a:buSzPts val="1400"/>
-              <a:buNone/>
-              <a:defRPr sz="2400" b="0" i="0" u="none" strike="noStrike" cap="none">
-                <a:solidFill>
-                  <a:schemeClr val="dk1"/>
-                </a:solidFill>
-                <a:latin typeface="Calibri"/>
-                <a:ea typeface="Calibri"/>
-                <a:cs typeface="Calibri"/>
-                <a:sym typeface="Calibri"/>
-              </a:defRPr>
-            </a:lvl3pPr>
-            <a:lvl4pPr marL="1828754" marR="0" lvl="3" indent="0" algn="l" rtl="0">
-              <a:spcBef>
-                <a:spcPts val="0"/>
-              </a:spcBef>
-              <a:spcAft>
-                <a:spcPts val="0"/>
-              </a:spcAft>
-              <a:buSzPts val="1400"/>
-              <a:buNone/>
-              <a:defRPr sz="2400" b="0" i="0" u="none" strike="noStrike" cap="none">
-                <a:solidFill>
-                  <a:schemeClr val="dk1"/>
-                </a:solidFill>
-                <a:latin typeface="Calibri"/>
-                <a:ea typeface="Calibri"/>
-                <a:cs typeface="Calibri"/>
-                <a:sym typeface="Calibri"/>
-              </a:defRPr>
-            </a:lvl4pPr>
-            <a:lvl5pPr marL="2438339" marR="0" lvl="4" indent="0" algn="l" rtl="0">
-              <a:spcBef>
-                <a:spcPts val="0"/>
-              </a:spcBef>
-              <a:spcAft>
-                <a:spcPts val="0"/>
-              </a:spcAft>
-              <a:buSzPts val="1400"/>
-              <a:buNone/>
-              <a:defRPr sz="2400" b="0" i="0" u="none" strike="noStrike" cap="none">
-                <a:solidFill>
-                  <a:schemeClr val="dk1"/>
-                </a:solidFill>
-                <a:latin typeface="Calibri"/>
-                <a:ea typeface="Calibri"/>
-                <a:cs typeface="Calibri"/>
-                <a:sym typeface="Calibri"/>
-              </a:defRPr>
-            </a:lvl5pPr>
-            <a:lvl6pPr marL="3047924" marR="0" lvl="5" indent="0" algn="l" rtl="0">
-              <a:spcBef>
-                <a:spcPts val="0"/>
-              </a:spcBef>
-              <a:spcAft>
-                <a:spcPts val="0"/>
-              </a:spcAft>
-              <a:buSzPts val="1400"/>
-              <a:buNone/>
-              <a:defRPr sz="2400" b="0" i="0" u="none" strike="noStrike" cap="none">
-                <a:solidFill>
-                  <a:schemeClr val="dk1"/>
-                </a:solidFill>
-                <a:latin typeface="Calibri"/>
-                <a:ea typeface="Calibri"/>
-                <a:cs typeface="Calibri"/>
-                <a:sym typeface="Calibri"/>
-              </a:defRPr>
-            </a:lvl6pPr>
-            <a:lvl7pPr marL="3657509" marR="0" lvl="6" indent="0" algn="l" rtl="0">
-              <a:spcBef>
-                <a:spcPts val="0"/>
-              </a:spcBef>
-              <a:spcAft>
-                <a:spcPts val="0"/>
-              </a:spcAft>
-              <a:buSzPts val="1400"/>
-              <a:buNone/>
-              <a:defRPr sz="2400" b="0" i="0" u="none" strike="noStrike" cap="none">
-                <a:solidFill>
-                  <a:schemeClr val="dk1"/>
-                </a:solidFill>
-                <a:latin typeface="Calibri"/>
-                <a:ea typeface="Calibri"/>
-                <a:cs typeface="Calibri"/>
-                <a:sym typeface="Calibri"/>
-              </a:defRPr>
-            </a:lvl7pPr>
-            <a:lvl8pPr marL="4267093" marR="0" lvl="7" indent="0" algn="l" rtl="0">
-              <a:spcBef>
-                <a:spcPts val="0"/>
-              </a:spcBef>
-              <a:spcAft>
-                <a:spcPts val="0"/>
-              </a:spcAft>
-              <a:buSzPts val="1400"/>
-              <a:buNone/>
-              <a:defRPr sz="2400" b="0" i="0" u="none" strike="noStrike" cap="none">
-                <a:solidFill>
-                  <a:schemeClr val="dk1"/>
-                </a:solidFill>
-                <a:latin typeface="Calibri"/>
-                <a:ea typeface="Calibri"/>
-                <a:cs typeface="Calibri"/>
-                <a:sym typeface="Calibri"/>
-              </a:defRPr>
-            </a:lvl8pPr>
-            <a:lvl9pPr marL="4876678" marR="0" lvl="8" indent="0" algn="l" rtl="0">
-              <a:spcBef>
-                <a:spcPts val="0"/>
-              </a:spcBef>
-              <a:spcAft>
-                <a:spcPts val="0"/>
-              </a:spcAft>
-              <a:buSzPts val="1400"/>
-              <a:buNone/>
-              <a:defRPr sz="2400" b="0" i="0" u="none" strike="noStrike" cap="none">
-                <a:solidFill>
-                  <a:schemeClr val="dk1"/>
-                </a:solidFill>
-                <a:latin typeface="Calibri"/>
-                <a:ea typeface="Calibri"/>
-                <a:cs typeface="Calibri"/>
-                <a:sym typeface="Calibri"/>
-              </a:defRPr>
-            </a:lvl9pPr>
-          </a:lstStyle>
-          <a:p>
-            <a:endParaRPr/>
-          </a:p>
-        </p:txBody>
-      </p:sp>
-      <p:sp>
-        <p:nvSpPr>
-          <p:cNvPr id="74" name="Google Shape;74;p10"/>
-          <p:cNvSpPr txBox="1">
-            <a:spLocks noGrp="1"/>
-          </p:cNvSpPr>
-          <p:nvPr>
-            <p:ph type="sldNum" idx="12"/>
-          </p:nvPr>
-        </p:nvSpPr>
-        <p:spPr>
-          <a:xfrm>
-            <a:off x="9347200" y="92011"/>
-            <a:ext cx="2844800" cy="612400"/>
-          </a:xfrm>
-          <a:prstGeom prst="rect">
-            <a:avLst/>
-          </a:prstGeom>
-          <a:noFill/>
-          <a:ln>
-            <a:noFill/>
-          </a:ln>
-        </p:spPr>
-        <p:txBody>
-          <a:bodyPr spcFirstLastPara="1" wrap="square" lIns="91425" tIns="45700" rIns="91425" bIns="45700" anchor="ctr" anchorCtr="0">
-            <a:noAutofit/>
-          </a:bodyPr>
-          <a:lstStyle>
-            <a:lvl1pPr marL="0" marR="0" lvl="0" indent="0" algn="r" rtl="0">
-              <a:spcBef>
-                <a:spcPts val="0"/>
-              </a:spcBef>
-              <a:spcAft>
-                <a:spcPts val="0"/>
-              </a:spcAft>
-              <a:buNone/>
-              <a:defRPr sz="1600">
-                <a:solidFill>
-                  <a:srgbClr val="FFFFFF"/>
-                </a:solidFill>
-              </a:defRPr>
-            </a:lvl1pPr>
-            <a:lvl2pPr marL="0" marR="0" lvl="1" indent="0" algn="r" rtl="0">
-              <a:spcBef>
-                <a:spcPts val="0"/>
-              </a:spcBef>
-              <a:spcAft>
-                <a:spcPts val="0"/>
-              </a:spcAft>
-              <a:buNone/>
-              <a:defRPr sz="1600">
-                <a:solidFill>
-                  <a:srgbClr val="FFFFFF"/>
-                </a:solidFill>
-              </a:defRPr>
-            </a:lvl2pPr>
-            <a:lvl3pPr marL="0" marR="0" lvl="2" indent="0" algn="r" rtl="0">
-              <a:spcBef>
-                <a:spcPts val="0"/>
-              </a:spcBef>
-              <a:spcAft>
-                <a:spcPts val="0"/>
-              </a:spcAft>
-              <a:buNone/>
-              <a:defRPr sz="1600">
-                <a:solidFill>
-                  <a:srgbClr val="FFFFFF"/>
-                </a:solidFill>
-              </a:defRPr>
-            </a:lvl3pPr>
-            <a:lvl4pPr marL="0" marR="0" lvl="3" indent="0" algn="r" rtl="0">
-              <a:spcBef>
-                <a:spcPts val="0"/>
-              </a:spcBef>
-              <a:spcAft>
-                <a:spcPts val="0"/>
-              </a:spcAft>
-              <a:buNone/>
-              <a:defRPr sz="1600">
-                <a:solidFill>
-                  <a:srgbClr val="FFFFFF"/>
-                </a:solidFill>
-              </a:defRPr>
-            </a:lvl4pPr>
-            <a:lvl5pPr marL="0" marR="0" lvl="4" indent="0" algn="r" rtl="0">
-              <a:spcBef>
-                <a:spcPts val="0"/>
-              </a:spcBef>
-              <a:spcAft>
-                <a:spcPts val="0"/>
-              </a:spcAft>
-              <a:buNone/>
-              <a:defRPr sz="1600">
-                <a:solidFill>
-                  <a:srgbClr val="FFFFFF"/>
-                </a:solidFill>
-              </a:defRPr>
-            </a:lvl5pPr>
-            <a:lvl6pPr marL="0" marR="0" lvl="5" indent="0" algn="r" rtl="0">
-              <a:spcBef>
-                <a:spcPts val="0"/>
-              </a:spcBef>
-              <a:spcAft>
-                <a:spcPts val="0"/>
-              </a:spcAft>
-              <a:buNone/>
-              <a:defRPr sz="1600">
-                <a:solidFill>
-                  <a:srgbClr val="FFFFFF"/>
-                </a:solidFill>
-              </a:defRPr>
-            </a:lvl6pPr>
-            <a:lvl7pPr marL="0" marR="0" lvl="6" indent="0" algn="r" rtl="0">
-              <a:spcBef>
-                <a:spcPts val="0"/>
-              </a:spcBef>
-              <a:spcAft>
-                <a:spcPts val="0"/>
-              </a:spcAft>
-              <a:buNone/>
-              <a:defRPr sz="1600">
-                <a:solidFill>
-                  <a:srgbClr val="FFFFFF"/>
-                </a:solidFill>
-              </a:defRPr>
-            </a:lvl7pPr>
-            <a:lvl8pPr marL="0" marR="0" lvl="7" indent="0" algn="r" rtl="0">
-              <a:spcBef>
-                <a:spcPts val="0"/>
-              </a:spcBef>
-              <a:spcAft>
-                <a:spcPts val="0"/>
-              </a:spcAft>
-              <a:buNone/>
-              <a:defRPr sz="1600">
-                <a:solidFill>
-                  <a:srgbClr val="FFFFFF"/>
-                </a:solidFill>
-              </a:defRPr>
-            </a:lvl8pPr>
-            <a:lvl9pPr marL="0" marR="0" lvl="8" indent="0" algn="r" rtl="0">
-              <a:spcBef>
-                <a:spcPts val="0"/>
-              </a:spcBef>
-              <a:spcAft>
-                <a:spcPts val="0"/>
-              </a:spcAft>
-              <a:buNone/>
-              <a:defRPr sz="1600">
-                <a:solidFill>
-                  <a:srgbClr val="FFFFFF"/>
-                </a:solidFill>
-              </a:defRPr>
-            </a:lvl9pPr>
-          </a:lstStyle>
-          <a:p>
-            <a:fld id="{00000000-1234-1234-1234-123412341234}" type="slidenum">
-              <a:rPr lang="en" smtClean="0"/>
-              <a:pPr/>
-              <a:t>‹#›</a:t>
-            </a:fld>
-            <a:endParaRPr lang="en"/>
-          </a:p>
-        </p:txBody>
-      </p:sp>
-    </p:spTree>
-    <p:extLst>
-      <p:ext uri="{BB962C8B-B14F-4D97-AF65-F5344CB8AC3E}">
-        <p14:creationId xmlns:p14="http://schemas.microsoft.com/office/powerpoint/2010/main" val="3058462547"/>
-      </p:ext>
-    </p:extLst>
-  </p:cSld>
-  <p:clrMapOvr>
-    <a:masterClrMapping/>
-  </p:clrMapOvr>
-</p:sldLayout>
-</file>
-
 <file path=ppt/slideMasters/slideMaster1.xml><?xml version="1.0" encoding="utf-8"?>
 <p:sldMaster xmlns:a="http://schemas.openxmlformats.org/drawingml/2006/main" xmlns:r="http://schemas.openxmlformats.org/officeDocument/2006/relationships" xmlns:p="http://schemas.openxmlformats.org/presentationml/2006/main">
   <p:cSld>
@@ -5829,7 +4776,7 @@
           <p:nvPr userDrawn="1"/>
         </p:nvPicPr>
         <p:blipFill>
-          <a:blip r:embed="rId11"/>
+          <a:blip r:embed="rId10"/>
           <a:stretch>
             <a:fillRect/>
           </a:stretch>
@@ -5859,7 +4806,7 @@
           <p:nvPr userDrawn="1"/>
         </p:nvPicPr>
         <p:blipFill>
-          <a:blip r:embed="rId12"/>
+          <a:blip r:embed="rId11"/>
           <a:stretch>
             <a:fillRect/>
           </a:stretch>
@@ -5891,7 +4838,6 @@
     <p:sldLayoutId id="2147483656" r:id="rId6"/>
     <p:sldLayoutId id="2147483662" r:id="rId7"/>
     <p:sldLayoutId id="2147483661" r:id="rId8"/>
-    <p:sldLayoutId id="2147483667" r:id="rId9"/>
   </p:sldLayoutIdLst>
   <p:txStyles>
     <p:titleStyle>
@@ -6446,7 +5392,7 @@
                   </a:schemeClr>
                 </a:solidFill>
               </a:rPr>
-              <a:t>August 26, 2021</a:t>
+              <a:t>August 25, 2022</a:t>
             </a:r>
             <a:endParaRPr lang="en-US" sz="3200" dirty="0">
               <a:solidFill>
@@ -11234,7 +10180,7 @@
         </p:nvSpPr>
         <p:spPr>
           <a:xfrm>
-            <a:off x="0" y="665163"/>
+            <a:off x="2365375" y="665163"/>
             <a:ext cx="7461250" cy="1068387"/>
           </a:xfrm>
           <a:prstGeom prst="rect">
@@ -11465,7 +10411,7 @@
         </p:nvSpPr>
         <p:spPr>
           <a:xfrm>
-            <a:off x="0" y="665163"/>
+            <a:off x="2365375" y="678810"/>
             <a:ext cx="7461250" cy="1068387"/>
           </a:xfrm>
           <a:prstGeom prst="rect">
@@ -11494,7 +10440,7 @@
         </p:nvSpPr>
         <p:spPr>
           <a:xfrm>
-            <a:off x="1937200" y="2474467"/>
+            <a:off x="927265" y="1996795"/>
             <a:ext cx="7911200" cy="3458000"/>
           </a:xfrm>
           <a:prstGeom prst="rect">
@@ -11513,13 +10459,13 @@
           <a:p>
             <a:pPr marL="609585" indent="-507987">
               <a:buSzPts val="2400"/>
+              <a:buFontTx/>
               <a:buChar char="●"/>
             </a:pPr>
             <a:r>
-              <a:rPr lang="en" sz="3200" dirty="0"/>
-              <a:t>Linear SVM</a:t>
+              <a:rPr lang="en-US" sz="3200" dirty="0"/>
+              <a:t>Naive Bayes</a:t>
             </a:r>
-            <a:endParaRPr sz="3200" dirty="0"/>
           </a:p>
           <a:p>
             <a:pPr marL="609585" indent="-507987">
@@ -11528,7 +10474,7 @@
             </a:pPr>
             <a:r>
               <a:rPr lang="en" sz="3200" dirty="0"/>
-              <a:t>Multinomial Naive Bayes</a:t>
+              <a:t>SVM</a:t>
             </a:r>
             <a:endParaRPr sz="3200" dirty="0"/>
           </a:p>
@@ -12040,67 +10986,6 @@
       <p:bldP spid="202" grpId="0"/>
     </p:bldLst>
   </p:timing>
-</p:sld>
-</file>
-
-<file path=ppt/slides/slide18.xml><?xml version="1.0" encoding="utf-8"?>
-<p:sld xmlns:a="http://schemas.openxmlformats.org/drawingml/2006/main" xmlns:r="http://schemas.openxmlformats.org/officeDocument/2006/relationships" xmlns:p="http://schemas.openxmlformats.org/presentationml/2006/main">
-  <p:cSld>
-    <p:spTree>
-      <p:nvGrpSpPr>
-        <p:cNvPr id="1" name=""/>
-        <p:cNvGrpSpPr/>
-        <p:nvPr/>
-      </p:nvGrpSpPr>
-      <p:grpSpPr>
-        <a:xfrm>
-          <a:off x="0" y="0"/>
-          <a:ext cx="0" cy="0"/>
-          <a:chOff x="0" y="0"/>
-          <a:chExt cx="0" cy="0"/>
-        </a:xfrm>
-      </p:grpSpPr>
-      <p:sp>
-        <p:nvSpPr>
-          <p:cNvPr id="3" name="Text Placeholder 2">
-            <a:extLst>
-              <a:ext uri="{FF2B5EF4-FFF2-40B4-BE49-F238E27FC236}">
-                <a16:creationId xmlns:a16="http://schemas.microsoft.com/office/drawing/2014/main" id="{E56EF9D8-F9CF-4472-9C2F-EC46482A8261}"/>
-              </a:ext>
-            </a:extLst>
-          </p:cNvPr>
-          <p:cNvSpPr>
-            <a:spLocks noGrp="1"/>
-          </p:cNvSpPr>
-          <p:nvPr>
-            <p:ph type="body" idx="1"/>
-          </p:nvPr>
-        </p:nvSpPr>
-        <p:spPr/>
-        <p:txBody>
-          <a:bodyPr/>
-          <a:lstStyle/>
-          <a:p>
-            <a:pPr marL="101598" indent="0" algn="ctr">
-              <a:buNone/>
-            </a:pPr>
-            <a:r>
-              <a:rPr lang="en-US" b="1" dirty="0"/>
-              <a:t>Class Coding Exercise</a:t>
-            </a:r>
-          </a:p>
-        </p:txBody>
-      </p:sp>
-    </p:spTree>
-    <p:extLst>
-      <p:ext uri="{BB962C8B-B14F-4D97-AF65-F5344CB8AC3E}">
-        <p14:creationId xmlns:p14="http://schemas.microsoft.com/office/powerpoint/2010/main" val="1884791787"/>
-      </p:ext>
-    </p:extLst>
-  </p:cSld>
-  <p:clrMapOvr>
-    <a:masterClrMapping/>
-  </p:clrMapOvr>
 </p:sld>
 </file>
 
